--- a/document/讲义（ppt）/4-对象关系映射.pptx
+++ b/document/讲义（ppt）/4-对象关系映射.pptx
@@ -12,6 +12,8 @@
     <p:sldId id="271" r:id="rId7"/>
     <p:sldId id="273" r:id="rId8"/>
     <p:sldId id="272" r:id="rId9"/>
+    <p:sldId id="281" r:id="rId10"/>
+    <p:sldId id="282" r:id="rId11"/>
   </p:sldIdLst>
   <p:sldSz cx="12192000" cy="6858000"/>
   <p:notesSz cx="6858000" cy="9144000"/>
@@ -6816,6 +6818,415 @@
 </p:sld>
 </file>
 
+<file path=ppt/slides/slide8.xml><?xml version="1.0" encoding="utf-8"?>
+<p:sld xmlns:a="http://schemas.openxmlformats.org/drawingml/2006/main" xmlns:r="http://schemas.openxmlformats.org/officeDocument/2006/relationships" xmlns:p="http://schemas.openxmlformats.org/presentationml/2006/main">
+  <p:cSld>
+    <p:spTree>
+      <p:nvGrpSpPr>
+        <p:cNvPr id="1" name=""/>
+        <p:cNvGrpSpPr/>
+        <p:nvPr/>
+      </p:nvGrpSpPr>
+      <p:grpSpPr>
+        <a:xfrm>
+          <a:off x="0" y="0"/>
+          <a:ext cx="0" cy="0"/>
+          <a:chOff x="0" y="0"/>
+          <a:chExt cx="0" cy="0"/>
+        </a:xfrm>
+      </p:grpSpPr>
+      <p:sp>
+        <p:nvSpPr>
+          <p:cNvPr id="2" name="标题 1"/>
+          <p:cNvSpPr>
+            <a:spLocks noGrp="1"/>
+          </p:cNvSpPr>
+          <p:nvPr>
+            <p:ph type="title"/>
+          </p:nvPr>
+        </p:nvSpPr>
+        <p:spPr/>
+        <p:txBody>
+          <a:bodyPr/>
+          <a:lstStyle/>
+          <a:p>
+            <a:r>
+              <a:rPr lang="en-US" altLang="zh-CN" dirty="0">
+                <a:latin typeface="宋体" panose="02010600030101010101" pitchFamily="2" charset="-122"/>
+                <a:ea typeface="宋体" panose="02010600030101010101" pitchFamily="2" charset="-122"/>
+              </a:rPr>
+              <a:t>Spring data JPA</a:t>
+            </a:r>
+            <a:endParaRPr lang="en-US" altLang="zh-CN" dirty="0">
+              <a:latin typeface="宋体" panose="02010600030101010101" pitchFamily="2" charset="-122"/>
+              <a:ea typeface="宋体" panose="02010600030101010101" pitchFamily="2" charset="-122"/>
+            </a:endParaRPr>
+          </a:p>
+        </p:txBody>
+      </p:sp>
+      <p:sp>
+        <p:nvSpPr>
+          <p:cNvPr id="3" name="文本框 2"/>
+          <p:cNvSpPr txBox="1"/>
+          <p:nvPr/>
+        </p:nvSpPr>
+        <p:spPr>
+          <a:xfrm>
+            <a:off x="1489075" y="2536190"/>
+            <a:ext cx="7956550" cy="1198880"/>
+          </a:xfrm>
+          <a:prstGeom prst="rect">
+            <a:avLst/>
+          </a:prstGeom>
+          <a:noFill/>
+        </p:spPr>
+        <p:txBody>
+          <a:bodyPr wrap="square" rtlCol="0" anchor="t">
+            <a:spAutoFit/>
+          </a:bodyPr>
+          <a:p>
+            <a:pPr marL="285750" indent="-285750">
+              <a:buFont typeface="Arial" panose="020B0604020202020204" pitchFamily="34" charset="0"/>
+              <a:buChar char="•"/>
+            </a:pPr>
+            <a:r>
+              <a:rPr lang="zh-CN" altLang="en-US">
+                <a:latin typeface="宋体" panose="02010600030101010101" pitchFamily="2" charset="-122"/>
+                <a:ea typeface="宋体" panose="02010600030101010101" pitchFamily="2" charset="-122"/>
+              </a:rPr>
+              <a:t>只定义接口，而由</a:t>
+            </a:r>
+            <a:r>
+              <a:rPr lang="en-US" altLang="zh-CN">
+                <a:latin typeface="宋体" panose="02010600030101010101" pitchFamily="2" charset="-122"/>
+                <a:ea typeface="宋体" panose="02010600030101010101" pitchFamily="2" charset="-122"/>
+              </a:rPr>
+              <a:t>spring data</a:t>
+            </a:r>
+            <a:r>
+              <a:rPr lang="zh-CN" altLang="en-US">
+                <a:latin typeface="宋体" panose="02010600030101010101" pitchFamily="2" charset="-122"/>
+                <a:ea typeface="宋体" panose="02010600030101010101" pitchFamily="2" charset="-122"/>
+              </a:rPr>
+              <a:t>引擎提供动态代理</a:t>
+            </a:r>
+            <a:r>
+              <a:rPr lang="zh-CN" altLang="en-US">
+                <a:latin typeface="宋体" panose="02010600030101010101" pitchFamily="2" charset="-122"/>
+                <a:ea typeface="宋体" panose="02010600030101010101" pitchFamily="2" charset="-122"/>
+              </a:rPr>
+              <a:t>实现</a:t>
+            </a:r>
+            <a:endParaRPr lang="zh-CN" altLang="en-US">
+              <a:latin typeface="宋体" panose="02010600030101010101" pitchFamily="2" charset="-122"/>
+              <a:ea typeface="宋体" panose="02010600030101010101" pitchFamily="2" charset="-122"/>
+            </a:endParaRPr>
+          </a:p>
+          <a:p>
+            <a:pPr marL="285750" indent="-285750">
+              <a:buFont typeface="Arial" panose="020B0604020202020204" pitchFamily="34" charset="0"/>
+              <a:buChar char="•"/>
+            </a:pPr>
+            <a:r>
+              <a:rPr lang="zh-CN" altLang="en-US">
+                <a:latin typeface="宋体" panose="02010600030101010101" pitchFamily="2" charset="-122"/>
+                <a:ea typeface="宋体" panose="02010600030101010101" pitchFamily="2" charset="-122"/>
+              </a:rPr>
+              <a:t>通用操作不经定义，通过继承接口就可</a:t>
+            </a:r>
+            <a:r>
+              <a:rPr lang="zh-CN" altLang="en-US">
+                <a:latin typeface="宋体" panose="02010600030101010101" pitchFamily="2" charset="-122"/>
+                <a:ea typeface="宋体" panose="02010600030101010101" pitchFamily="2" charset="-122"/>
+              </a:rPr>
+              <a:t>获得</a:t>
+            </a:r>
+            <a:endParaRPr lang="zh-CN" altLang="en-US">
+              <a:latin typeface="宋体" panose="02010600030101010101" pitchFamily="2" charset="-122"/>
+              <a:ea typeface="宋体" panose="02010600030101010101" pitchFamily="2" charset="-122"/>
+            </a:endParaRPr>
+          </a:p>
+          <a:p>
+            <a:pPr marL="285750" indent="-285750">
+              <a:buFont typeface="Arial" panose="020B0604020202020204" pitchFamily="34" charset="0"/>
+              <a:buChar char="•"/>
+            </a:pPr>
+            <a:r>
+              <a:rPr lang="zh-CN" altLang="en-US">
+                <a:latin typeface="宋体" panose="02010600030101010101" pitchFamily="2" charset="-122"/>
+                <a:ea typeface="宋体" panose="02010600030101010101" pitchFamily="2" charset="-122"/>
+              </a:rPr>
+              <a:t>自定义操作通过一种语法约定而</a:t>
+            </a:r>
+            <a:r>
+              <a:rPr lang="zh-CN" altLang="en-US">
+                <a:latin typeface="宋体" panose="02010600030101010101" pitchFamily="2" charset="-122"/>
+                <a:ea typeface="宋体" panose="02010600030101010101" pitchFamily="2" charset="-122"/>
+              </a:rPr>
+              <a:t>实现</a:t>
+            </a:r>
+            <a:endParaRPr lang="zh-CN" altLang="en-US">
+              <a:latin typeface="宋体" panose="02010600030101010101" pitchFamily="2" charset="-122"/>
+              <a:ea typeface="宋体" panose="02010600030101010101" pitchFamily="2" charset="-122"/>
+            </a:endParaRPr>
+          </a:p>
+          <a:p>
+            <a:pPr marL="285750" indent="-285750"/>
+            <a:endParaRPr lang="zh-CN" altLang="en-US">
+              <a:latin typeface="宋体" panose="02010600030101010101" pitchFamily="2" charset="-122"/>
+              <a:ea typeface="宋体" panose="02010600030101010101" pitchFamily="2" charset="-122"/>
+            </a:endParaRPr>
+          </a:p>
+        </p:txBody>
+      </p:sp>
+      <p:sp>
+        <p:nvSpPr>
+          <p:cNvPr id="4" name="文本框 3"/>
+          <p:cNvSpPr txBox="1"/>
+          <p:nvPr/>
+        </p:nvSpPr>
+        <p:spPr>
+          <a:xfrm>
+            <a:off x="1677035" y="4377690"/>
+            <a:ext cx="7956550" cy="645160"/>
+          </a:xfrm>
+          <a:prstGeom prst="rect">
+            <a:avLst/>
+          </a:prstGeom>
+          <a:noFill/>
+        </p:spPr>
+        <p:txBody>
+          <a:bodyPr wrap="square" rtlCol="0" anchor="t">
+            <a:spAutoFit/>
+          </a:bodyPr>
+          <a:p>
+            <a:pPr marL="285750" indent="-285750"/>
+            <a:r>
+              <a:rPr lang="en-US" altLang="zh-CN">
+                <a:latin typeface="宋体" panose="02010600030101010101" pitchFamily="2" charset="-122"/>
+                <a:ea typeface="宋体" panose="02010600030101010101" pitchFamily="2" charset="-122"/>
+              </a:rPr>
+              <a:t>	</a:t>
+            </a:r>
+            <a:r>
+              <a:rPr lang="zh-CN" altLang="en-US">
+                <a:latin typeface="宋体" panose="02010600030101010101" pitchFamily="2" charset="-122"/>
+                <a:ea typeface="宋体" panose="02010600030101010101" pitchFamily="2" charset="-122"/>
+              </a:rPr>
+              <a:t>提供了对关系库、文档库等的全面支持，高度通用，可方便达成持久化层的</a:t>
+            </a:r>
+            <a:r>
+              <a:rPr lang="zh-CN" altLang="en-US">
+                <a:latin typeface="宋体" panose="02010600030101010101" pitchFamily="2" charset="-122"/>
+                <a:ea typeface="宋体" panose="02010600030101010101" pitchFamily="2" charset="-122"/>
+              </a:rPr>
+              <a:t>替换</a:t>
+            </a:r>
+            <a:endParaRPr lang="zh-CN" altLang="en-US">
+              <a:latin typeface="宋体" panose="02010600030101010101" pitchFamily="2" charset="-122"/>
+              <a:ea typeface="宋体" panose="02010600030101010101" pitchFamily="2" charset="-122"/>
+            </a:endParaRPr>
+          </a:p>
+        </p:txBody>
+      </p:sp>
+    </p:spTree>
+  </p:cSld>
+  <p:clrMapOvr>
+    <a:masterClrMapping/>
+  </p:clrMapOvr>
+</p:sld>
+</file>
+
+<file path=ppt/slides/slide9.xml><?xml version="1.0" encoding="utf-8"?>
+<p:sld xmlns:a="http://schemas.openxmlformats.org/drawingml/2006/main" xmlns:r="http://schemas.openxmlformats.org/officeDocument/2006/relationships" xmlns:p="http://schemas.openxmlformats.org/presentationml/2006/main">
+  <p:cSld>
+    <p:spTree>
+      <p:nvGrpSpPr>
+        <p:cNvPr id="1" name=""/>
+        <p:cNvGrpSpPr/>
+        <p:nvPr/>
+      </p:nvGrpSpPr>
+      <p:grpSpPr>
+        <a:xfrm>
+          <a:off x="0" y="0"/>
+          <a:ext cx="0" cy="0"/>
+          <a:chOff x="0" y="0"/>
+          <a:chExt cx="0" cy="0"/>
+        </a:xfrm>
+      </p:grpSpPr>
+      <p:sp>
+        <p:nvSpPr>
+          <p:cNvPr id="2" name="标题 1"/>
+          <p:cNvSpPr>
+            <a:spLocks noGrp="1"/>
+          </p:cNvSpPr>
+          <p:nvPr>
+            <p:ph type="title"/>
+          </p:nvPr>
+        </p:nvSpPr>
+        <p:spPr/>
+        <p:txBody>
+          <a:bodyPr>
+            <a:normAutofit/>
+          </a:bodyPr>
+          <a:lstStyle/>
+          <a:p>
+            <a:r>
+              <a:rPr lang="zh-CN" altLang="en-US" dirty="0">
+                <a:latin typeface="宋体" panose="02010600030101010101" pitchFamily="2" charset="-122"/>
+                <a:ea typeface="宋体" panose="02010600030101010101" pitchFamily="2" charset="-122"/>
+              </a:rPr>
+              <a:t>查询接口函数名</a:t>
+            </a:r>
+            <a:r>
+              <a:rPr lang="zh-CN" altLang="en-US" dirty="0">
+                <a:latin typeface="宋体" panose="02010600030101010101" pitchFamily="2" charset="-122"/>
+                <a:ea typeface="宋体" panose="02010600030101010101" pitchFamily="2" charset="-122"/>
+              </a:rPr>
+              <a:t>语法规则</a:t>
+            </a:r>
+            <a:endParaRPr lang="zh-CN" altLang="en-US" dirty="0">
+              <a:latin typeface="宋体" panose="02010600030101010101" pitchFamily="2" charset="-122"/>
+              <a:ea typeface="宋体" panose="02010600030101010101" pitchFamily="2" charset="-122"/>
+            </a:endParaRPr>
+          </a:p>
+        </p:txBody>
+      </p:sp>
+      <p:sp>
+        <p:nvSpPr>
+          <p:cNvPr id="5" name="文本框 4"/>
+          <p:cNvSpPr txBox="1"/>
+          <p:nvPr/>
+        </p:nvSpPr>
+        <p:spPr>
+          <a:xfrm>
+            <a:off x="3243580" y="2986405"/>
+            <a:ext cx="5632450" cy="2030095"/>
+          </a:xfrm>
+          <a:prstGeom prst="rect">
+            <a:avLst/>
+          </a:prstGeom>
+          <a:noFill/>
+        </p:spPr>
+        <p:txBody>
+          <a:bodyPr wrap="square" rtlCol="0" anchor="t">
+            <a:spAutoFit/>
+          </a:bodyPr>
+          <a:p>
+            <a:r>
+              <a:rPr lang="zh-CN" altLang="en-US" b="1">
+                <a:latin typeface="宋体" panose="02010600030101010101" pitchFamily="2" charset="-122"/>
+                <a:ea typeface="宋体" panose="02010600030101010101" pitchFamily="2" charset="-122"/>
+                <a:cs typeface="宋体" panose="02010600030101010101" pitchFamily="2" charset="-122"/>
+              </a:rPr>
+              <a:t>public List&lt;User&gt; findByName(String name);</a:t>
+            </a:r>
+            <a:endParaRPr lang="zh-CN" altLang="en-US" b="1">
+              <a:latin typeface="宋体" panose="02010600030101010101" pitchFamily="2" charset="-122"/>
+              <a:ea typeface="宋体" panose="02010600030101010101" pitchFamily="2" charset="-122"/>
+              <a:cs typeface="宋体" panose="02010600030101010101" pitchFamily="2" charset="-122"/>
+            </a:endParaRPr>
+          </a:p>
+          <a:p>
+            <a:r>
+              <a:rPr lang="zh-CN" altLang="en-US">
+                <a:latin typeface="宋体" panose="02010600030101010101" pitchFamily="2" charset="-122"/>
+                <a:ea typeface="宋体" panose="02010600030101010101" pitchFamily="2" charset="-122"/>
+                <a:cs typeface="宋体" panose="02010600030101010101" pitchFamily="2" charset="-122"/>
+              </a:rPr>
+              <a:t>/**</a:t>
+            </a:r>
+            <a:endParaRPr lang="zh-CN" altLang="en-US">
+              <a:latin typeface="宋体" panose="02010600030101010101" pitchFamily="2" charset="-122"/>
+              <a:ea typeface="宋体" panose="02010600030101010101" pitchFamily="2" charset="-122"/>
+              <a:cs typeface="宋体" panose="02010600030101010101" pitchFamily="2" charset="-122"/>
+            </a:endParaRPr>
+          </a:p>
+          <a:p>
+            <a:r>
+              <a:rPr lang="zh-CN" altLang="en-US">
+                <a:latin typeface="宋体" panose="02010600030101010101" pitchFamily="2" charset="-122"/>
+                <a:ea typeface="宋体" panose="02010600030101010101" pitchFamily="2" charset="-122"/>
+                <a:cs typeface="宋体" panose="02010600030101010101" pitchFamily="2" charset="-122"/>
+              </a:rPr>
+              <a:t>* 相当于select *from user where name like ?</a:t>
+            </a:r>
+            <a:endParaRPr lang="zh-CN" altLang="en-US">
+              <a:latin typeface="宋体" panose="02010600030101010101" pitchFamily="2" charset="-122"/>
+              <a:ea typeface="宋体" panose="02010600030101010101" pitchFamily="2" charset="-122"/>
+              <a:cs typeface="宋体" panose="02010600030101010101" pitchFamily="2" charset="-122"/>
+            </a:endParaRPr>
+          </a:p>
+          <a:p>
+            <a:r>
+              <a:rPr lang="zh-CN" altLang="en-US">
+                <a:latin typeface="宋体" panose="02010600030101010101" pitchFamily="2" charset="-122"/>
+                <a:ea typeface="宋体" panose="02010600030101010101" pitchFamily="2" charset="-122"/>
+                <a:cs typeface="宋体" panose="02010600030101010101" pitchFamily="2" charset="-122"/>
+              </a:rPr>
+              <a:t>* 但是有一点需要注意的是，%需要我们自己来写</a:t>
+            </a:r>
+            <a:endParaRPr lang="zh-CN" altLang="en-US">
+              <a:latin typeface="宋体" panose="02010600030101010101" pitchFamily="2" charset="-122"/>
+              <a:ea typeface="宋体" panose="02010600030101010101" pitchFamily="2" charset="-122"/>
+              <a:cs typeface="宋体" panose="02010600030101010101" pitchFamily="2" charset="-122"/>
+            </a:endParaRPr>
+          </a:p>
+          <a:p>
+            <a:r>
+              <a:rPr lang="zh-CN" altLang="en-US">
+                <a:latin typeface="宋体" panose="02010600030101010101" pitchFamily="2" charset="-122"/>
+                <a:ea typeface="宋体" panose="02010600030101010101" pitchFamily="2" charset="-122"/>
+                <a:cs typeface="宋体" panose="02010600030101010101" pitchFamily="2" charset="-122"/>
+              </a:rPr>
+              <a:t>* @param name</a:t>
+            </a:r>
+            <a:endParaRPr lang="zh-CN" altLang="en-US">
+              <a:latin typeface="宋体" panose="02010600030101010101" pitchFamily="2" charset="-122"/>
+              <a:ea typeface="宋体" panose="02010600030101010101" pitchFamily="2" charset="-122"/>
+              <a:cs typeface="宋体" panose="02010600030101010101" pitchFamily="2" charset="-122"/>
+            </a:endParaRPr>
+          </a:p>
+          <a:p>
+            <a:r>
+              <a:rPr lang="zh-CN" altLang="en-US">
+                <a:latin typeface="宋体" panose="02010600030101010101" pitchFamily="2" charset="-122"/>
+                <a:ea typeface="宋体" panose="02010600030101010101" pitchFamily="2" charset="-122"/>
+                <a:cs typeface="宋体" panose="02010600030101010101" pitchFamily="2" charset="-122"/>
+              </a:rPr>
+              <a:t>* @return</a:t>
+            </a:r>
+            <a:endParaRPr lang="zh-CN" altLang="en-US">
+              <a:latin typeface="宋体" panose="02010600030101010101" pitchFamily="2" charset="-122"/>
+              <a:ea typeface="宋体" panose="02010600030101010101" pitchFamily="2" charset="-122"/>
+              <a:cs typeface="宋体" panose="02010600030101010101" pitchFamily="2" charset="-122"/>
+            </a:endParaRPr>
+          </a:p>
+          <a:p>
+            <a:r>
+              <a:rPr lang="zh-CN" altLang="en-US">
+                <a:latin typeface="宋体" panose="02010600030101010101" pitchFamily="2" charset="-122"/>
+                <a:ea typeface="宋体" panose="02010600030101010101" pitchFamily="2" charset="-122"/>
+                <a:cs typeface="宋体" panose="02010600030101010101" pitchFamily="2" charset="-122"/>
+              </a:rPr>
+              <a:t>*/</a:t>
+            </a:r>
+            <a:endParaRPr lang="zh-CN" altLang="en-US">
+              <a:latin typeface="宋体" panose="02010600030101010101" pitchFamily="2" charset="-122"/>
+              <a:ea typeface="宋体" panose="02010600030101010101" pitchFamily="2" charset="-122"/>
+              <a:cs typeface="宋体" panose="02010600030101010101" pitchFamily="2" charset="-122"/>
+            </a:endParaRPr>
+          </a:p>
+        </p:txBody>
+      </p:sp>
+    </p:spTree>
+  </p:cSld>
+  <p:clrMapOvr>
+    <a:masterClrMapping/>
+  </p:clrMapOvr>
+</p:sld>
+</file>
+
 <file path=ppt/theme/theme1.xml><?xml version="1.0" encoding="utf-8"?>
 <a:theme xmlns:a="http://schemas.openxmlformats.org/drawingml/2006/main" name="环保">
   <a:themeElements>

--- a/document/讲义（ppt）/4-对象关系映射.pptx
+++ b/document/讲义（ppt）/4-对象关系映射.pptx
@@ -13,7 +13,8 @@
     <p:sldId id="273" r:id="rId8"/>
     <p:sldId id="272" r:id="rId9"/>
     <p:sldId id="281" r:id="rId10"/>
-    <p:sldId id="282" r:id="rId11"/>
+    <p:sldId id="283" r:id="rId11"/>
+    <p:sldId id="282" r:id="rId12"/>
   </p:sldIdLst>
   <p:sldSz cx="12192000" cy="6858000"/>
   <p:notesSz cx="6858000" cy="9144000"/>
@@ -5894,6 +5895,188 @@
 </p:sld>
 </file>
 
+<file path=ppt/slides/slide10.xml><?xml version="1.0" encoding="utf-8"?>
+<p:sld xmlns:a="http://schemas.openxmlformats.org/drawingml/2006/main" xmlns:r="http://schemas.openxmlformats.org/officeDocument/2006/relationships" xmlns:p="http://schemas.openxmlformats.org/presentationml/2006/main">
+  <p:cSld>
+    <p:spTree>
+      <p:nvGrpSpPr>
+        <p:cNvPr id="1" name=""/>
+        <p:cNvGrpSpPr/>
+        <p:nvPr/>
+      </p:nvGrpSpPr>
+      <p:grpSpPr>
+        <a:xfrm>
+          <a:off x="0" y="0"/>
+          <a:ext cx="0" cy="0"/>
+          <a:chOff x="0" y="0"/>
+          <a:chExt cx="0" cy="0"/>
+        </a:xfrm>
+      </p:grpSpPr>
+      <p:sp>
+        <p:nvSpPr>
+          <p:cNvPr id="2" name="标题 1"/>
+          <p:cNvSpPr>
+            <a:spLocks noGrp="1"/>
+          </p:cNvSpPr>
+          <p:nvPr>
+            <p:ph type="title"/>
+          </p:nvPr>
+        </p:nvSpPr>
+        <p:spPr/>
+        <p:txBody>
+          <a:bodyPr>
+            <a:normAutofit/>
+          </a:bodyPr>
+          <a:lstStyle/>
+          <a:p>
+            <a:r>
+              <a:rPr lang="zh-CN" altLang="en-US" dirty="0">
+                <a:latin typeface="宋体" panose="02010600030101010101" pitchFamily="2" charset="-122"/>
+                <a:ea typeface="宋体" panose="02010600030101010101" pitchFamily="2" charset="-122"/>
+              </a:rPr>
+              <a:t>查询接口函数名</a:t>
+            </a:r>
+            <a:r>
+              <a:rPr lang="zh-CN" altLang="en-US" dirty="0">
+                <a:latin typeface="宋体" panose="02010600030101010101" pitchFamily="2" charset="-122"/>
+                <a:ea typeface="宋体" panose="02010600030101010101" pitchFamily="2" charset="-122"/>
+              </a:rPr>
+              <a:t>语法规则</a:t>
+            </a:r>
+            <a:endParaRPr lang="zh-CN" altLang="en-US" dirty="0">
+              <a:latin typeface="宋体" panose="02010600030101010101" pitchFamily="2" charset="-122"/>
+              <a:ea typeface="宋体" panose="02010600030101010101" pitchFamily="2" charset="-122"/>
+            </a:endParaRPr>
+          </a:p>
+        </p:txBody>
+      </p:sp>
+      <p:sp>
+        <p:nvSpPr>
+          <p:cNvPr id="5" name="文本框 4"/>
+          <p:cNvSpPr txBox="1"/>
+          <p:nvPr/>
+        </p:nvSpPr>
+        <p:spPr>
+          <a:xfrm>
+            <a:off x="3243580" y="2986405"/>
+            <a:ext cx="5632450" cy="2030095"/>
+          </a:xfrm>
+          <a:prstGeom prst="rect">
+            <a:avLst/>
+          </a:prstGeom>
+          <a:noFill/>
+        </p:spPr>
+        <p:txBody>
+          <a:bodyPr wrap="square" rtlCol="0" anchor="t">
+            <a:spAutoFit/>
+          </a:bodyPr>
+          <a:p>
+            <a:r>
+              <a:rPr lang="zh-CN" altLang="en-US">
+                <a:latin typeface="宋体" panose="02010600030101010101" pitchFamily="2" charset="-122"/>
+                <a:ea typeface="宋体" panose="02010600030101010101" pitchFamily="2" charset="-122"/>
+                <a:cs typeface="宋体" panose="02010600030101010101" pitchFamily="2" charset="-122"/>
+              </a:rPr>
+              <a:t>/**</a:t>
+            </a:r>
+            <a:endParaRPr lang="zh-CN" altLang="en-US">
+              <a:latin typeface="宋体" panose="02010600030101010101" pitchFamily="2" charset="-122"/>
+              <a:ea typeface="宋体" panose="02010600030101010101" pitchFamily="2" charset="-122"/>
+              <a:cs typeface="宋体" panose="02010600030101010101" pitchFamily="2" charset="-122"/>
+            </a:endParaRPr>
+          </a:p>
+          <a:p>
+            <a:r>
+              <a:rPr lang="zh-CN" altLang="en-US">
+                <a:latin typeface="宋体" panose="02010600030101010101" pitchFamily="2" charset="-122"/>
+                <a:ea typeface="宋体" panose="02010600030101010101" pitchFamily="2" charset="-122"/>
+                <a:cs typeface="宋体" panose="02010600030101010101" pitchFamily="2" charset="-122"/>
+              </a:rPr>
+              <a:t>* 相当于 select *from user where name=?</a:t>
+            </a:r>
+            <a:endParaRPr lang="zh-CN" altLang="en-US">
+              <a:latin typeface="宋体" panose="02010600030101010101" pitchFamily="2" charset="-122"/>
+              <a:ea typeface="宋体" panose="02010600030101010101" pitchFamily="2" charset="-122"/>
+              <a:cs typeface="宋体" panose="02010600030101010101" pitchFamily="2" charset="-122"/>
+            </a:endParaRPr>
+          </a:p>
+          <a:p>
+            <a:r>
+              <a:rPr lang="zh-CN" altLang="en-US">
+                <a:latin typeface="宋体" panose="02010600030101010101" pitchFamily="2" charset="-122"/>
+                <a:ea typeface="宋体" panose="02010600030101010101" pitchFamily="2" charset="-122"/>
+                <a:cs typeface="宋体" panose="02010600030101010101" pitchFamily="2" charset="-122"/>
+              </a:rPr>
+              <a:t>* @param name</a:t>
+            </a:r>
+            <a:endParaRPr lang="zh-CN" altLang="en-US">
+              <a:latin typeface="宋体" panose="02010600030101010101" pitchFamily="2" charset="-122"/>
+              <a:ea typeface="宋体" panose="02010600030101010101" pitchFamily="2" charset="-122"/>
+              <a:cs typeface="宋体" panose="02010600030101010101" pitchFamily="2" charset="-122"/>
+            </a:endParaRPr>
+          </a:p>
+          <a:p>
+            <a:r>
+              <a:rPr lang="zh-CN" altLang="en-US">
+                <a:latin typeface="宋体" panose="02010600030101010101" pitchFamily="2" charset="-122"/>
+                <a:ea typeface="宋体" panose="02010600030101010101" pitchFamily="2" charset="-122"/>
+                <a:cs typeface="宋体" panose="02010600030101010101" pitchFamily="2" charset="-122"/>
+              </a:rPr>
+              <a:t>* @return</a:t>
+            </a:r>
+            <a:endParaRPr lang="zh-CN" altLang="en-US">
+              <a:latin typeface="宋体" panose="02010600030101010101" pitchFamily="2" charset="-122"/>
+              <a:ea typeface="宋体" panose="02010600030101010101" pitchFamily="2" charset="-122"/>
+              <a:cs typeface="宋体" panose="02010600030101010101" pitchFamily="2" charset="-122"/>
+            </a:endParaRPr>
+          </a:p>
+          <a:p>
+            <a:r>
+              <a:rPr lang="zh-CN" altLang="en-US">
+                <a:latin typeface="宋体" panose="02010600030101010101" pitchFamily="2" charset="-122"/>
+                <a:ea typeface="宋体" panose="02010600030101010101" pitchFamily="2" charset="-122"/>
+                <a:cs typeface="宋体" panose="02010600030101010101" pitchFamily="2" charset="-122"/>
+              </a:rPr>
+              <a:t>*/</a:t>
+            </a:r>
+            <a:endParaRPr lang="zh-CN" altLang="en-US">
+              <a:latin typeface="宋体" panose="02010600030101010101" pitchFamily="2" charset="-122"/>
+              <a:ea typeface="宋体" panose="02010600030101010101" pitchFamily="2" charset="-122"/>
+              <a:cs typeface="宋体" panose="02010600030101010101" pitchFamily="2" charset="-122"/>
+            </a:endParaRPr>
+          </a:p>
+          <a:p>
+            <a:r>
+              <a:rPr lang="zh-CN" altLang="en-US" b="1">
+                <a:latin typeface="宋体" panose="02010600030101010101" pitchFamily="2" charset="-122"/>
+                <a:ea typeface="宋体" panose="02010600030101010101" pitchFamily="2" charset="-122"/>
+                <a:cs typeface="宋体" panose="02010600030101010101" pitchFamily="2" charset="-122"/>
+              </a:rPr>
+              <a:t>public List&lt;User&gt; findByName(String name);</a:t>
+            </a:r>
+            <a:endParaRPr lang="zh-CN" altLang="en-US" b="1">
+              <a:latin typeface="宋体" panose="02010600030101010101" pitchFamily="2" charset="-122"/>
+              <a:ea typeface="宋体" panose="02010600030101010101" pitchFamily="2" charset="-122"/>
+              <a:cs typeface="宋体" panose="02010600030101010101" pitchFamily="2" charset="-122"/>
+            </a:endParaRPr>
+          </a:p>
+          <a:p>
+            <a:endParaRPr lang="zh-CN" altLang="en-US">
+              <a:latin typeface="宋体" panose="02010600030101010101" pitchFamily="2" charset="-122"/>
+              <a:ea typeface="宋体" panose="02010600030101010101" pitchFamily="2" charset="-122"/>
+              <a:cs typeface="宋体" panose="02010600030101010101" pitchFamily="2" charset="-122"/>
+            </a:endParaRPr>
+          </a:p>
+        </p:txBody>
+      </p:sp>
+    </p:spTree>
+  </p:cSld>
+  <p:clrMapOvr>
+    <a:masterClrMapping/>
+  </p:clrMapOvr>
+</p:sld>
+</file>
+
 <file path=ppt/slides/slide2.xml><?xml version="1.0" encoding="utf-8"?>
 <p:sld xmlns:a="http://schemas.openxmlformats.org/drawingml/2006/main" xmlns:r="http://schemas.openxmlformats.org/officeDocument/2006/relationships" xmlns:p="http://schemas.openxmlformats.org/presentationml/2006/main">
   <p:cSld>
@@ -6908,7 +7091,14 @@
                 <a:latin typeface="宋体" panose="02010600030101010101" pitchFamily="2" charset="-122"/>
                 <a:ea typeface="宋体" panose="02010600030101010101" pitchFamily="2" charset="-122"/>
               </a:rPr>
-              <a:t>引擎提供动态代理</a:t>
+              <a:t>引擎提供</a:t>
+            </a:r>
+            <a:r>
+              <a:rPr lang="zh-CN" altLang="en-US" b="1">
+                <a:latin typeface="宋体" panose="02010600030101010101" pitchFamily="2" charset="-122"/>
+                <a:ea typeface="宋体" panose="02010600030101010101" pitchFamily="2" charset="-122"/>
+              </a:rPr>
+              <a:t>动态代理</a:t>
             </a:r>
             <a:r>
               <a:rPr lang="zh-CN" altLang="en-US">
@@ -6987,7 +7177,7 @@
         </p:nvSpPr>
         <p:spPr>
           <a:xfrm>
-            <a:off x="1677035" y="4377690"/>
+            <a:off x="1555115" y="3596640"/>
             <a:ext cx="7956550" cy="645160"/>
           </a:xfrm>
           <a:prstGeom prst="rect">
@@ -7066,26 +7256,17 @@
         </p:nvSpPr>
         <p:spPr/>
         <p:txBody>
-          <a:bodyPr>
-            <a:normAutofit/>
-          </a:bodyPr>
-          <a:lstStyle/>
-          <a:p>
-            <a:r>
-              <a:rPr lang="zh-CN" altLang="en-US" dirty="0">
+          <a:bodyPr/>
+          <a:lstStyle/>
+          <a:p>
+            <a:r>
+              <a:rPr lang="en-US" altLang="zh-CN" dirty="0">
                 <a:latin typeface="宋体" panose="02010600030101010101" pitchFamily="2" charset="-122"/>
                 <a:ea typeface="宋体" panose="02010600030101010101" pitchFamily="2" charset="-122"/>
               </a:rPr>
-              <a:t>查询接口函数名</a:t>
-            </a:r>
-            <a:r>
-              <a:rPr lang="zh-CN" altLang="en-US" dirty="0">
-                <a:latin typeface="宋体" panose="02010600030101010101" pitchFamily="2" charset="-122"/>
-                <a:ea typeface="宋体" panose="02010600030101010101" pitchFamily="2" charset="-122"/>
-              </a:rPr>
-              <a:t>语法规则</a:t>
-            </a:r>
-            <a:endParaRPr lang="zh-CN" altLang="en-US" dirty="0">
+              <a:t>Spring data JPA</a:t>
+            </a:r>
+            <a:endParaRPr lang="en-US" altLang="zh-CN" dirty="0">
               <a:latin typeface="宋体" panose="02010600030101010101" pitchFamily="2" charset="-122"/>
               <a:ea typeface="宋体" panose="02010600030101010101" pitchFamily="2" charset="-122"/>
             </a:endParaRPr>
@@ -7100,8 +7281,8 @@
         </p:nvSpPr>
         <p:spPr>
           <a:xfrm>
-            <a:off x="3243580" y="2986405"/>
-            <a:ext cx="5632450" cy="2030095"/>
+            <a:off x="2959735" y="2877820"/>
+            <a:ext cx="7469505" cy="645160"/>
           </a:xfrm>
           <a:prstGeom prst="rect">
             <a:avLst/>
@@ -7114,108 +7295,17 @@
           </a:bodyPr>
           <a:p>
             <a:r>
-              <a:rPr lang="zh-CN" altLang="en-US" b="1">
-                <a:latin typeface="宋体" panose="02010600030101010101" pitchFamily="2" charset="-122"/>
-                <a:ea typeface="宋体" panose="02010600030101010101" pitchFamily="2" charset="-122"/>
-                <a:cs typeface="宋体" panose="02010600030101010101" pitchFamily="2" charset="-122"/>
-              </a:rPr>
-              <a:t>public List&lt;User&gt; findByName(String name);</a:t>
-            </a:r>
-            <a:endParaRPr lang="zh-CN" altLang="en-US" b="1">
-              <a:latin typeface="宋体" panose="02010600030101010101" pitchFamily="2" charset="-122"/>
-              <a:ea typeface="宋体" panose="02010600030101010101" pitchFamily="2" charset="-122"/>
-              <a:cs typeface="宋体" panose="02010600030101010101" pitchFamily="2" charset="-122"/>
-            </a:endParaRPr>
-          </a:p>
-          <a:p>
-            <a:r>
-              <a:rPr lang="zh-CN" altLang="en-US">
-                <a:latin typeface="宋体" panose="02010600030101010101" pitchFamily="2" charset="-122"/>
-                <a:ea typeface="宋体" panose="02010600030101010101" pitchFamily="2" charset="-122"/>
-                <a:cs typeface="宋体" panose="02010600030101010101" pitchFamily="2" charset="-122"/>
-              </a:rPr>
-              <a:t>/**</a:t>
-            </a:r>
-            <a:endParaRPr lang="zh-CN" altLang="en-US">
-              <a:latin typeface="宋体" panose="02010600030101010101" pitchFamily="2" charset="-122"/>
-              <a:ea typeface="宋体" panose="02010600030101010101" pitchFamily="2" charset="-122"/>
-              <a:cs typeface="宋体" panose="02010600030101010101" pitchFamily="2" charset="-122"/>
-            </a:endParaRPr>
-          </a:p>
-          <a:p>
-            <a:r>
-              <a:rPr lang="zh-CN" altLang="en-US">
-                <a:latin typeface="宋体" panose="02010600030101010101" pitchFamily="2" charset="-122"/>
-                <a:ea typeface="宋体" panose="02010600030101010101" pitchFamily="2" charset="-122"/>
-                <a:cs typeface="宋体" panose="02010600030101010101" pitchFamily="2" charset="-122"/>
-              </a:rPr>
-              <a:t>* 相当于select *from user where name like ?</a:t>
-            </a:r>
-            <a:endParaRPr lang="zh-CN" altLang="en-US">
-              <a:latin typeface="宋体" panose="02010600030101010101" pitchFamily="2" charset="-122"/>
-              <a:ea typeface="宋体" panose="02010600030101010101" pitchFamily="2" charset="-122"/>
-              <a:cs typeface="宋体" panose="02010600030101010101" pitchFamily="2" charset="-122"/>
-            </a:endParaRPr>
-          </a:p>
-          <a:p>
-            <a:r>
-              <a:rPr lang="zh-CN" altLang="en-US">
-                <a:latin typeface="宋体" panose="02010600030101010101" pitchFamily="2" charset="-122"/>
-                <a:ea typeface="宋体" panose="02010600030101010101" pitchFamily="2" charset="-122"/>
-                <a:cs typeface="宋体" panose="02010600030101010101" pitchFamily="2" charset="-122"/>
-              </a:rPr>
-              <a:t>* 但是有一点需要注意的是，%需要我们自己来写</a:t>
-            </a:r>
-            <a:endParaRPr lang="zh-CN" altLang="en-US">
-              <a:latin typeface="宋体" panose="02010600030101010101" pitchFamily="2" charset="-122"/>
-              <a:ea typeface="宋体" panose="02010600030101010101" pitchFamily="2" charset="-122"/>
-              <a:cs typeface="宋体" panose="02010600030101010101" pitchFamily="2" charset="-122"/>
-            </a:endParaRPr>
-          </a:p>
-          <a:p>
-            <a:r>
-              <a:rPr lang="zh-CN" altLang="en-US">
-                <a:latin typeface="宋体" panose="02010600030101010101" pitchFamily="2" charset="-122"/>
-                <a:ea typeface="宋体" panose="02010600030101010101" pitchFamily="2" charset="-122"/>
-                <a:cs typeface="宋体" panose="02010600030101010101" pitchFamily="2" charset="-122"/>
-              </a:rPr>
-              <a:t>* @param name</a:t>
-            </a:r>
-            <a:endParaRPr lang="zh-CN" altLang="en-US">
-              <a:latin typeface="宋体" panose="02010600030101010101" pitchFamily="2" charset="-122"/>
-              <a:ea typeface="宋体" panose="02010600030101010101" pitchFamily="2" charset="-122"/>
-              <a:cs typeface="宋体" panose="02010600030101010101" pitchFamily="2" charset="-122"/>
-            </a:endParaRPr>
-          </a:p>
-          <a:p>
-            <a:r>
-              <a:rPr lang="zh-CN" altLang="en-US">
-                <a:latin typeface="宋体" panose="02010600030101010101" pitchFamily="2" charset="-122"/>
-                <a:ea typeface="宋体" panose="02010600030101010101" pitchFamily="2" charset="-122"/>
-                <a:cs typeface="宋体" panose="02010600030101010101" pitchFamily="2" charset="-122"/>
-              </a:rPr>
-              <a:t>* @return</a:t>
-            </a:r>
-            <a:endParaRPr lang="zh-CN" altLang="en-US">
-              <a:latin typeface="宋体" panose="02010600030101010101" pitchFamily="2" charset="-122"/>
-              <a:ea typeface="宋体" panose="02010600030101010101" pitchFamily="2" charset="-122"/>
-              <a:cs typeface="宋体" panose="02010600030101010101" pitchFamily="2" charset="-122"/>
-            </a:endParaRPr>
-          </a:p>
-          <a:p>
-            <a:r>
-              <a:rPr lang="zh-CN" altLang="en-US">
-                <a:latin typeface="宋体" panose="02010600030101010101" pitchFamily="2" charset="-122"/>
-                <a:ea typeface="宋体" panose="02010600030101010101" pitchFamily="2" charset="-122"/>
-                <a:cs typeface="宋体" panose="02010600030101010101" pitchFamily="2" charset="-122"/>
-              </a:rPr>
-              <a:t>*/</a:t>
-            </a:r>
-            <a:endParaRPr lang="zh-CN" altLang="en-US">
-              <a:latin typeface="宋体" panose="02010600030101010101" pitchFamily="2" charset="-122"/>
-              <a:ea typeface="宋体" panose="02010600030101010101" pitchFamily="2" charset="-122"/>
-              <a:cs typeface="宋体" panose="02010600030101010101" pitchFamily="2" charset="-122"/>
-            </a:endParaRPr>
+              <a:rPr lang="zh-CN" altLang="en-US"/>
+              <a:t>public interface UserRepository extends JpaRepository&lt;User,String&gt;{</a:t>
+            </a:r>
+            <a:endParaRPr lang="zh-CN" altLang="en-US"/>
+          </a:p>
+          <a:p>
+            <a:r>
+              <a:rPr lang="en-US" altLang="zh-CN"/>
+              <a:t>}</a:t>
+            </a:r>
+            <a:endParaRPr lang="en-US" altLang="zh-CN"/>
           </a:p>
         </p:txBody>
       </p:sp>

--- a/document/讲义（ppt）/4-对象关系映射.pptx
+++ b/document/讲义（ppt）/4-对象关系映射.pptx
@@ -15,6 +15,7 @@
     <p:sldId id="281" r:id="rId10"/>
     <p:sldId id="283" r:id="rId11"/>
     <p:sldId id="282" r:id="rId12"/>
+    <p:sldId id="285" r:id="rId13"/>
   </p:sldIdLst>
   <p:sldSz cx="12192000" cy="6858000"/>
   <p:notesSz cx="6858000" cy="9144000"/>
@@ -6077,6 +6078,130 @@
 </p:sld>
 </file>
 
+<file path=ppt/slides/slide11.xml><?xml version="1.0" encoding="utf-8"?>
+<p:sld xmlns:a="http://schemas.openxmlformats.org/drawingml/2006/main" xmlns:r="http://schemas.openxmlformats.org/officeDocument/2006/relationships" xmlns:p="http://schemas.openxmlformats.org/presentationml/2006/main">
+  <p:cSld>
+    <p:spTree>
+      <p:nvGrpSpPr>
+        <p:cNvPr id="1" name=""/>
+        <p:cNvGrpSpPr/>
+        <p:nvPr/>
+      </p:nvGrpSpPr>
+      <p:grpSpPr>
+        <a:xfrm>
+          <a:off x="0" y="0"/>
+          <a:ext cx="0" cy="0"/>
+          <a:chOff x="0" y="0"/>
+          <a:chExt cx="0" cy="0"/>
+        </a:xfrm>
+      </p:grpSpPr>
+      <p:sp>
+        <p:nvSpPr>
+          <p:cNvPr id="2" name="标题 1"/>
+          <p:cNvSpPr>
+            <a:spLocks noGrp="1"/>
+          </p:cNvSpPr>
+          <p:nvPr>
+            <p:ph type="title"/>
+          </p:nvPr>
+        </p:nvSpPr>
+        <p:spPr/>
+        <p:txBody>
+          <a:bodyPr>
+            <a:normAutofit/>
+          </a:bodyPr>
+          <a:lstStyle/>
+          <a:p>
+            <a:r>
+              <a:rPr lang="zh-CN" altLang="en-US" dirty="0">
+                <a:latin typeface="宋体" panose="02010600030101010101" pitchFamily="2" charset="-122"/>
+                <a:ea typeface="宋体" panose="02010600030101010101" pitchFamily="2" charset="-122"/>
+              </a:rPr>
+              <a:t>实体建模设计</a:t>
+            </a:r>
+            <a:r>
+              <a:rPr lang="zh-CN" altLang="en-US" dirty="0">
+                <a:latin typeface="宋体" panose="02010600030101010101" pitchFamily="2" charset="-122"/>
+                <a:ea typeface="宋体" panose="02010600030101010101" pitchFamily="2" charset="-122"/>
+              </a:rPr>
+              <a:t>原则</a:t>
+            </a:r>
+            <a:endParaRPr lang="zh-CN" altLang="en-US" dirty="0">
+              <a:latin typeface="宋体" panose="02010600030101010101" pitchFamily="2" charset="-122"/>
+              <a:ea typeface="宋体" panose="02010600030101010101" pitchFamily="2" charset="-122"/>
+            </a:endParaRPr>
+          </a:p>
+        </p:txBody>
+      </p:sp>
+      <p:sp>
+        <p:nvSpPr>
+          <p:cNvPr id="5" name="文本框 4"/>
+          <p:cNvSpPr txBox="1"/>
+          <p:nvPr/>
+        </p:nvSpPr>
+        <p:spPr>
+          <a:xfrm>
+            <a:off x="3279775" y="3047365"/>
+            <a:ext cx="5632450" cy="368300"/>
+          </a:xfrm>
+          <a:prstGeom prst="rect">
+            <a:avLst/>
+          </a:prstGeom>
+          <a:noFill/>
+        </p:spPr>
+        <p:txBody>
+          <a:bodyPr wrap="square" rtlCol="0" anchor="t">
+            <a:spAutoFit/>
+          </a:bodyPr>
+          <a:p>
+            <a:r>
+              <a:rPr lang="zh-CN" altLang="en-US">
+                <a:latin typeface="宋体" panose="02010600030101010101" pitchFamily="2" charset="-122"/>
+                <a:ea typeface="宋体" panose="02010600030101010101" pitchFamily="2" charset="-122"/>
+                <a:cs typeface="宋体" panose="02010600030101010101" pitchFamily="2" charset="-122"/>
+              </a:rPr>
+              <a:t>做简单映射</a:t>
+            </a:r>
+            <a:r>
+              <a:rPr lang="en-US" altLang="zh-CN">
+                <a:latin typeface="宋体" panose="02010600030101010101" pitchFamily="2" charset="-122"/>
+                <a:ea typeface="宋体" panose="02010600030101010101" pitchFamily="2" charset="-122"/>
+                <a:cs typeface="宋体" panose="02010600030101010101" pitchFamily="2" charset="-122"/>
+              </a:rPr>
+              <a:t>,</a:t>
+            </a:r>
+            <a:r>
+              <a:rPr lang="zh-CN" altLang="en-US">
+                <a:latin typeface="宋体" panose="02010600030101010101" pitchFamily="2" charset="-122"/>
+                <a:ea typeface="宋体" panose="02010600030101010101" pitchFamily="2" charset="-122"/>
+                <a:cs typeface="宋体" panose="02010600030101010101" pitchFamily="2" charset="-122"/>
+              </a:rPr>
+              <a:t>不要滥用关联</a:t>
+            </a:r>
+            <a:r>
+              <a:rPr lang="zh-CN" altLang="en-US">
+                <a:latin typeface="宋体" panose="02010600030101010101" pitchFamily="2" charset="-122"/>
+                <a:ea typeface="宋体" panose="02010600030101010101" pitchFamily="2" charset="-122"/>
+                <a:cs typeface="宋体" panose="02010600030101010101" pitchFamily="2" charset="-122"/>
+              </a:rPr>
+              <a:t>关系！</a:t>
+            </a:r>
+            <a:endParaRPr lang="zh-CN" altLang="en-US">
+              <a:latin typeface="宋体" panose="02010600030101010101" pitchFamily="2" charset="-122"/>
+              <a:ea typeface="宋体" panose="02010600030101010101" pitchFamily="2" charset="-122"/>
+              <a:cs typeface="宋体" panose="02010600030101010101" pitchFamily="2" charset="-122"/>
+            </a:endParaRPr>
+          </a:p>
+        </p:txBody>
+      </p:sp>
+    </p:spTree>
+  </p:cSld>
+  <p:clrMapOvr>
+    <a:masterClrMapping/>
+  </p:clrMapOvr>
+</p:sld>
+</file>
+
 <file path=ppt/slides/slide2.xml><?xml version="1.0" encoding="utf-8"?>
 <p:sld xmlns:a="http://schemas.openxmlformats.org/drawingml/2006/main" xmlns:r="http://schemas.openxmlformats.org/officeDocument/2006/relationships" xmlns:p="http://schemas.openxmlformats.org/presentationml/2006/main">
   <p:cSld>

--- a/document/讲义（ppt）/4-对象关系映射.pptx
+++ b/document/讲义（ppt）/4-对象关系映射.pptx
@@ -5959,7 +5959,7 @@
         </p:nvSpPr>
         <p:spPr>
           <a:xfrm>
-            <a:off x="3243580" y="2986405"/>
+            <a:off x="3213100" y="2829560"/>
             <a:ext cx="5632450" cy="2030095"/>
           </a:xfrm>
           <a:prstGeom prst="rect">
@@ -6053,7 +6053,39 @@
                 <a:ea typeface="宋体" panose="02010600030101010101" pitchFamily="2" charset="-122"/>
                 <a:cs typeface="宋体" panose="02010600030101010101" pitchFamily="2" charset="-122"/>
               </a:rPr>
-              <a:t>public List&lt;User&gt; findByName(String name);</a:t>
+              <a:t>public List&lt;</a:t>
+            </a:r>
+            <a:r>
+              <a:rPr lang="en-US" altLang="zh-CN" b="1">
+                <a:latin typeface="宋体" panose="02010600030101010101" pitchFamily="2" charset="-122"/>
+                <a:ea typeface="宋体" panose="02010600030101010101" pitchFamily="2" charset="-122"/>
+                <a:cs typeface="宋体" panose="02010600030101010101" pitchFamily="2" charset="-122"/>
+              </a:rPr>
+              <a:t>Blog</a:t>
+            </a:r>
+            <a:r>
+              <a:rPr lang="zh-CN" altLang="en-US" b="1">
+                <a:latin typeface="宋体" panose="02010600030101010101" pitchFamily="2" charset="-122"/>
+                <a:ea typeface="宋体" panose="02010600030101010101" pitchFamily="2" charset="-122"/>
+                <a:cs typeface="宋体" panose="02010600030101010101" pitchFamily="2" charset="-122"/>
+              </a:rPr>
+              <a:t>&gt; findBy</a:t>
+            </a:r>
+            <a:r>
+              <a:rPr lang="en-US" altLang="zh-CN" b="1">
+                <a:latin typeface="宋体" panose="02010600030101010101" pitchFamily="2" charset="-122"/>
+                <a:ea typeface="宋体" panose="02010600030101010101" pitchFamily="2" charset="-122"/>
+                <a:cs typeface="宋体" panose="02010600030101010101" pitchFamily="2" charset="-122"/>
+              </a:rPr>
+              <a:t>Title</a:t>
+            </a:r>
+            <a:r>
+              <a:rPr lang="zh-CN" altLang="en-US" b="1">
+                <a:latin typeface="宋体" panose="02010600030101010101" pitchFamily="2" charset="-122"/>
+                <a:ea typeface="宋体" panose="02010600030101010101" pitchFamily="2" charset="-122"/>
+                <a:cs typeface="宋体" panose="02010600030101010101" pitchFamily="2" charset="-122"/>
+              </a:rPr>
+              <a:t>(String name);</a:t>
             </a:r>
             <a:endParaRPr lang="zh-CN" altLang="en-US" b="1">
               <a:latin typeface="宋体" panose="02010600030101010101" pitchFamily="2" charset="-122"/>
@@ -6545,7 +6577,7 @@
         </p:nvSpPr>
         <p:spPr>
           <a:xfrm>
-            <a:off x="1783080" y="2921635"/>
+            <a:off x="1623060" y="2898775"/>
             <a:ext cx="4436745" cy="922020"/>
           </a:xfrm>
           <a:prstGeom prst="rect">
@@ -7011,7 +7043,7 @@
         </p:nvSpPr>
         <p:spPr>
           <a:xfrm>
-            <a:off x="1489075" y="2536190"/>
+            <a:off x="1496695" y="2536190"/>
             <a:ext cx="4436745" cy="645160"/>
           </a:xfrm>
           <a:prstGeom prst="rect">
@@ -7302,7 +7334,7 @@
         </p:nvSpPr>
         <p:spPr>
           <a:xfrm>
-            <a:off x="1555115" y="3596640"/>
+            <a:off x="1645920" y="4133850"/>
             <a:ext cx="7956550" cy="645160"/>
           </a:xfrm>
           <a:prstGeom prst="rect">
@@ -7407,7 +7439,7 @@
         <p:spPr>
           <a:xfrm>
             <a:off x="2959735" y="2877820"/>
-            <a:ext cx="7469505" cy="645160"/>
+            <a:ext cx="7469505" cy="1753235"/>
           </a:xfrm>
           <a:prstGeom prst="rect">
             <a:avLst/>
@@ -7422,6 +7454,55 @@
             <a:r>
               <a:rPr lang="zh-CN" altLang="en-US"/>
               <a:t>public interface UserRepository extends JpaRepository&lt;User,String&gt;{</a:t>
+            </a:r>
+            <a:endParaRPr lang="zh-CN" altLang="en-US"/>
+          </a:p>
+          <a:p>
+            <a:r>
+              <a:rPr lang="zh-CN" altLang="en-US" b="1">
+                <a:latin typeface="宋体" panose="02010600030101010101" pitchFamily="2" charset="-122"/>
+                <a:ea typeface="宋体" panose="02010600030101010101" pitchFamily="2" charset="-122"/>
+                <a:cs typeface="宋体" panose="02010600030101010101" pitchFamily="2" charset="-122"/>
+                <a:sym typeface="+mn-ea"/>
+              </a:rPr>
+              <a:t>public List&lt;User&gt; findByName(String name);</a:t>
+            </a:r>
+            <a:endParaRPr lang="zh-CN" altLang="en-US" b="1">
+              <a:latin typeface="宋体" panose="02010600030101010101" pitchFamily="2" charset="-122"/>
+              <a:ea typeface="宋体" panose="02010600030101010101" pitchFamily="2" charset="-122"/>
+              <a:cs typeface="宋体" panose="02010600030101010101" pitchFamily="2" charset="-122"/>
+            </a:endParaRPr>
+          </a:p>
+          <a:p>
+            <a:endParaRPr lang="zh-CN" altLang="en-US"/>
+          </a:p>
+          <a:p>
+            <a:r>
+              <a:rPr lang="en-US" altLang="zh-CN"/>
+              <a:t>//</a:t>
+            </a:r>
+            <a:r>
+              <a:rPr lang="zh-CN" altLang="en-US"/>
+              <a:t>增删改</a:t>
+            </a:r>
+            <a:r>
+              <a:rPr lang="zh-CN" altLang="en-US"/>
+              <a:t>查</a:t>
+            </a:r>
+            <a:endParaRPr lang="zh-CN" altLang="en-US"/>
+          </a:p>
+          <a:p>
+            <a:r>
+              <a:rPr lang="en-US" altLang="zh-CN"/>
+              <a:t>//</a:t>
+            </a:r>
+            <a:r>
+              <a:rPr lang="zh-CN" altLang="en-US"/>
+              <a:t>查当中的定制化</a:t>
+            </a:r>
+            <a:r>
+              <a:rPr lang="zh-CN" altLang="en-US"/>
+              <a:t>部分</a:t>
             </a:r>
             <a:endParaRPr lang="zh-CN" altLang="en-US"/>
           </a:p>

--- a/document/讲义（ppt）/4-对象关系映射.pptx
+++ b/document/讲义（ppt）/4-对象关系映射.pptx
@@ -6174,7 +6174,7 @@
         <p:spPr>
           <a:xfrm>
             <a:off x="3279775" y="3047365"/>
-            <a:ext cx="5632450" cy="368300"/>
+            <a:ext cx="5632450" cy="922020"/>
           </a:xfrm>
           <a:prstGeom prst="rect">
             <a:avLst/>
@@ -6219,6 +6219,36 @@
               <a:t>关系！</a:t>
             </a:r>
             <a:endParaRPr lang="zh-CN" altLang="en-US">
+              <a:latin typeface="宋体" panose="02010600030101010101" pitchFamily="2" charset="-122"/>
+              <a:ea typeface="宋体" panose="02010600030101010101" pitchFamily="2" charset="-122"/>
+              <a:cs typeface="宋体" panose="02010600030101010101" pitchFamily="2" charset="-122"/>
+            </a:endParaRPr>
+          </a:p>
+          <a:p>
+            <a:r>
+              <a:rPr lang="en-US" altLang="zh-CN">
+                <a:latin typeface="宋体" panose="02010600030101010101" pitchFamily="2" charset="-122"/>
+                <a:ea typeface="宋体" panose="02010600030101010101" pitchFamily="2" charset="-122"/>
+                <a:cs typeface="宋体" panose="02010600030101010101" pitchFamily="2" charset="-122"/>
+              </a:rPr>
+              <a:t>Simple Domain Model</a:t>
+            </a:r>
+            <a:endParaRPr lang="en-US" altLang="zh-CN">
+              <a:latin typeface="宋体" panose="02010600030101010101" pitchFamily="2" charset="-122"/>
+              <a:ea typeface="宋体" panose="02010600030101010101" pitchFamily="2" charset="-122"/>
+              <a:cs typeface="宋体" panose="02010600030101010101" pitchFamily="2" charset="-122"/>
+            </a:endParaRPr>
+          </a:p>
+          <a:p>
+            <a:r>
+              <a:rPr lang="en-US" altLang="zh-CN">
+                <a:latin typeface="宋体" panose="02010600030101010101" pitchFamily="2" charset="-122"/>
+                <a:ea typeface="宋体" panose="02010600030101010101" pitchFamily="2" charset="-122"/>
+                <a:cs typeface="宋体" panose="02010600030101010101" pitchFamily="2" charset="-122"/>
+              </a:rPr>
+              <a:t>Rich Domain Model-lazyload</a:t>
+            </a:r>
+            <a:endParaRPr lang="en-US" altLang="zh-CN">
               <a:latin typeface="宋体" panose="02010600030101010101" pitchFamily="2" charset="-122"/>
               <a:ea typeface="宋体" panose="02010600030101010101" pitchFamily="2" charset="-122"/>
               <a:cs typeface="宋体" panose="02010600030101010101" pitchFamily="2" charset="-122"/>
